--- a/Kopernik_i_Płaska_Ziemia_Prezentacja.pptx
+++ b/Kopernik_i_Płaska_Ziemia_Prezentacja.pptx
@@ -117,6 +117,22 @@
       </a:defRPr>
     </a:lvl9pPr>
   </p:defaultTextStyle>
+  <p:extLst>
+    <p:ext uri="{EFAFB233-063F-42B5-8137-9DF3F51BA10A}">
+      <p15:sldGuideLst xmlns:p15="http://schemas.microsoft.com/office/powerpoint/2012/main">
+        <p15:guide id="1" orient="horz" pos="2160">
+          <p15:clr>
+            <a:srgbClr val="A4A3A4"/>
+          </p15:clr>
+        </p15:guide>
+        <p15:guide id="2" pos="2880">
+          <p15:clr>
+            <a:srgbClr val="A4A3A4"/>
+          </p15:clr>
+        </p15:guide>
+      </p15:sldGuideLst>
+    </p:ext>
+  </p:extLst>
 </p:presentation>
 </file>
 
@@ -179,7 +195,7 @@
           <a:lstStyle/>
           <a:p>
             <a:pPr algn="ctr"/>
-            <a:endParaRPr lang="en-US"/>
+            <a:endParaRPr lang="en-US" dirty="0"/>
           </a:p>
         </p:txBody>
       </p:sp>
@@ -388,7 +404,7 @@
           <a:lstStyle/>
           <a:p>
             <a:pPr algn="ctr"/>
-            <a:endParaRPr lang="en-US"/>
+            <a:endParaRPr lang="en-US" dirty="0"/>
           </a:p>
         </p:txBody>
       </p:sp>
@@ -589,9 +605,9 @@
             <a:fld id="{1D8BD707-D9CF-40AE-B4C6-C98DA3205C09}" type="datetimeFigureOut">
               <a:rPr lang="en-US" smtClean="0"/>
               <a:pPr/>
-              <a:t>5/7/2019</a:t>
+              <a:t>5/8/2019</a:t>
             </a:fld>
-            <a:endParaRPr lang="en-US"/>
+            <a:endParaRPr lang="en-US" dirty="0"/>
           </a:p>
         </p:txBody>
       </p:sp>
@@ -610,7 +626,7 @@
           <a:bodyPr/>
           <a:lstStyle/>
           <a:p>
-            <a:endParaRPr lang="en-US"/>
+            <a:endParaRPr lang="en-US" dirty="0"/>
           </a:p>
         </p:txBody>
       </p:sp>
@@ -634,7 +650,7 @@
               <a:pPr/>
               <a:t>‹#›</a:t>
             </a:fld>
-            <a:endParaRPr lang="en-US"/>
+            <a:endParaRPr lang="en-US" dirty="0"/>
           </a:p>
         </p:txBody>
       </p:sp>
@@ -643,13 +659,13 @@
   <p:clrMapOvr>
     <a:masterClrMapping/>
   </p:clrMapOvr>
-  <mc:AlternateContent xmlns:mc="http://schemas.openxmlformats.org/markup-compatibility/2006">
-    <mc:Choice xmlns:p14="http://schemas.microsoft.com/office/powerpoint/2010/main" Requires="p14">
+  <mc:AlternateContent xmlns:mc="http://schemas.openxmlformats.org/markup-compatibility/2006" xmlns:p14="http://schemas.microsoft.com/office/powerpoint/2010/main">
+    <mc:Choice Requires="p14">
       <p:transition spd="med">
         <p14:reveal/>
       </p:transition>
     </mc:Choice>
-    <mc:Fallback>
+    <mc:Fallback xmlns="">
       <p:transition spd="med">
         <p:fade/>
       </p:transition>
@@ -768,9 +784,9 @@
             <a:fld id="{1D8BD707-D9CF-40AE-B4C6-C98DA3205C09}" type="datetimeFigureOut">
               <a:rPr lang="en-US" smtClean="0"/>
               <a:pPr/>
-              <a:t>5/7/2019</a:t>
+              <a:t>5/8/2019</a:t>
             </a:fld>
-            <a:endParaRPr lang="en-US"/>
+            <a:endParaRPr lang="en-US" dirty="0"/>
           </a:p>
         </p:txBody>
       </p:sp>
@@ -789,7 +805,7 @@
           <a:bodyPr/>
           <a:lstStyle/>
           <a:p>
-            <a:endParaRPr lang="en-US"/>
+            <a:endParaRPr lang="en-US" dirty="0"/>
           </a:p>
         </p:txBody>
       </p:sp>
@@ -813,7 +829,7 @@
               <a:pPr/>
               <a:t>‹#›</a:t>
             </a:fld>
-            <a:endParaRPr lang="en-US"/>
+            <a:endParaRPr lang="en-US" dirty="0"/>
           </a:p>
         </p:txBody>
       </p:sp>
@@ -822,13 +838,13 @@
   <p:clrMapOvr>
     <a:masterClrMapping/>
   </p:clrMapOvr>
-  <mc:AlternateContent xmlns:mc="http://schemas.openxmlformats.org/markup-compatibility/2006">
-    <mc:Choice xmlns:p14="http://schemas.microsoft.com/office/powerpoint/2010/main" Requires="p14">
+  <mc:AlternateContent xmlns:mc="http://schemas.openxmlformats.org/markup-compatibility/2006" xmlns:p14="http://schemas.microsoft.com/office/powerpoint/2010/main">
+    <mc:Choice Requires="p14">
       <p:transition spd="med">
         <p14:reveal/>
       </p:transition>
     </mc:Choice>
-    <mc:Fallback>
+    <mc:Fallback xmlns="">
       <p:transition spd="med">
         <p:fade/>
       </p:transition>
@@ -957,9 +973,9 @@
             <a:fld id="{1D8BD707-D9CF-40AE-B4C6-C98DA3205C09}" type="datetimeFigureOut">
               <a:rPr lang="en-US" smtClean="0"/>
               <a:pPr/>
-              <a:t>5/7/2019</a:t>
+              <a:t>5/8/2019</a:t>
             </a:fld>
-            <a:endParaRPr lang="en-US"/>
+            <a:endParaRPr lang="en-US" dirty="0"/>
           </a:p>
         </p:txBody>
       </p:sp>
@@ -978,7 +994,7 @@
           <a:bodyPr/>
           <a:lstStyle/>
           <a:p>
-            <a:endParaRPr lang="en-US"/>
+            <a:endParaRPr lang="en-US" dirty="0"/>
           </a:p>
         </p:txBody>
       </p:sp>
@@ -1002,7 +1018,7 @@
               <a:pPr/>
               <a:t>‹#›</a:t>
             </a:fld>
-            <a:endParaRPr lang="en-US"/>
+            <a:endParaRPr lang="en-US" dirty="0"/>
           </a:p>
         </p:txBody>
       </p:sp>
@@ -1011,13 +1027,13 @@
   <p:clrMapOvr>
     <a:masterClrMapping/>
   </p:clrMapOvr>
-  <mc:AlternateContent xmlns:mc="http://schemas.openxmlformats.org/markup-compatibility/2006">
-    <mc:Choice xmlns:p14="http://schemas.microsoft.com/office/powerpoint/2010/main" Requires="p14">
+  <mc:AlternateContent xmlns:mc="http://schemas.openxmlformats.org/markup-compatibility/2006" xmlns:p14="http://schemas.microsoft.com/office/powerpoint/2010/main">
+    <mc:Choice Requires="p14">
       <p:transition spd="med">
         <p14:reveal/>
       </p:transition>
     </mc:Choice>
-    <mc:Fallback>
+    <mc:Fallback xmlns="">
       <p:transition spd="med">
         <p:fade/>
       </p:transition>
@@ -1136,9 +1152,9 @@
             <a:fld id="{1D8BD707-D9CF-40AE-B4C6-C98DA3205C09}" type="datetimeFigureOut">
               <a:rPr lang="en-US" smtClean="0"/>
               <a:pPr/>
-              <a:t>5/7/2019</a:t>
+              <a:t>5/8/2019</a:t>
             </a:fld>
-            <a:endParaRPr lang="en-US"/>
+            <a:endParaRPr lang="en-US" dirty="0"/>
           </a:p>
         </p:txBody>
       </p:sp>
@@ -1157,7 +1173,7 @@
           <a:bodyPr/>
           <a:lstStyle/>
           <a:p>
-            <a:endParaRPr lang="en-US"/>
+            <a:endParaRPr lang="en-US" dirty="0"/>
           </a:p>
         </p:txBody>
       </p:sp>
@@ -1181,7 +1197,7 @@
               <a:pPr/>
               <a:t>‹#›</a:t>
             </a:fld>
-            <a:endParaRPr lang="en-US"/>
+            <a:endParaRPr lang="en-US" dirty="0"/>
           </a:p>
         </p:txBody>
       </p:sp>
@@ -1190,13 +1206,13 @@
   <p:clrMapOvr>
     <a:masterClrMapping/>
   </p:clrMapOvr>
-  <mc:AlternateContent xmlns:mc="http://schemas.openxmlformats.org/markup-compatibility/2006">
-    <mc:Choice xmlns:p14="http://schemas.microsoft.com/office/powerpoint/2010/main" Requires="p14">
+  <mc:AlternateContent xmlns:mc="http://schemas.openxmlformats.org/markup-compatibility/2006" xmlns:p14="http://schemas.microsoft.com/office/powerpoint/2010/main">
+    <mc:Choice Requires="p14">
       <p:transition spd="med">
         <p14:reveal/>
       </p:transition>
     </mc:Choice>
-    <mc:Fallback>
+    <mc:Fallback xmlns="">
       <p:transition spd="med">
         <p:fade/>
       </p:transition>
@@ -1425,7 +1441,7 @@
           <a:lstStyle/>
           <a:p>
             <a:pPr algn="ctr"/>
-            <a:endParaRPr lang="en-US"/>
+            <a:endParaRPr lang="en-US" dirty="0"/>
           </a:p>
         </p:txBody>
       </p:sp>
@@ -1473,7 +1489,7 @@
           <a:lstStyle/>
           <a:p>
             <a:pPr algn="ctr"/>
-            <a:endParaRPr lang="en-US"/>
+            <a:endParaRPr lang="en-US" dirty="0"/>
           </a:p>
         </p:txBody>
       </p:sp>
@@ -1703,9 +1719,9 @@
             <a:fld id="{1D8BD707-D9CF-40AE-B4C6-C98DA3205C09}" type="datetimeFigureOut">
               <a:rPr lang="en-US" smtClean="0"/>
               <a:pPr/>
-              <a:t>5/7/2019</a:t>
+              <a:t>5/8/2019</a:t>
             </a:fld>
-            <a:endParaRPr lang="en-US"/>
+            <a:endParaRPr lang="en-US" dirty="0"/>
           </a:p>
         </p:txBody>
       </p:sp>
@@ -1724,7 +1740,7 @@
           <a:bodyPr/>
           <a:lstStyle/>
           <a:p>
-            <a:endParaRPr lang="en-US"/>
+            <a:endParaRPr lang="en-US" dirty="0"/>
           </a:p>
         </p:txBody>
       </p:sp>
@@ -1748,7 +1764,7 @@
               <a:pPr/>
               <a:t>‹#›</a:t>
             </a:fld>
-            <a:endParaRPr lang="en-US"/>
+            <a:endParaRPr lang="en-US" dirty="0"/>
           </a:p>
         </p:txBody>
       </p:sp>
@@ -1757,13 +1773,13 @@
   <p:clrMapOvr>
     <a:masterClrMapping/>
   </p:clrMapOvr>
-  <mc:AlternateContent xmlns:mc="http://schemas.openxmlformats.org/markup-compatibility/2006">
-    <mc:Choice xmlns:p14="http://schemas.microsoft.com/office/powerpoint/2010/main" Requires="p14">
+  <mc:AlternateContent xmlns:mc="http://schemas.openxmlformats.org/markup-compatibility/2006" xmlns:p14="http://schemas.microsoft.com/office/powerpoint/2010/main">
+    <mc:Choice Requires="p14">
       <p:transition spd="med">
         <p14:reveal/>
       </p:transition>
     </mc:Choice>
-    <mc:Fallback>
+    <mc:Fallback xmlns="">
       <p:transition spd="med">
         <p:fade/>
       </p:transition>
@@ -1977,9 +1993,9 @@
             <a:fld id="{1D8BD707-D9CF-40AE-B4C6-C98DA3205C09}" type="datetimeFigureOut">
               <a:rPr lang="en-US" smtClean="0"/>
               <a:pPr/>
-              <a:t>5/7/2019</a:t>
+              <a:t>5/8/2019</a:t>
             </a:fld>
-            <a:endParaRPr lang="en-US"/>
+            <a:endParaRPr lang="en-US" dirty="0"/>
           </a:p>
         </p:txBody>
       </p:sp>
@@ -1998,7 +2014,7 @@
           <a:bodyPr/>
           <a:lstStyle/>
           <a:p>
-            <a:endParaRPr lang="en-US"/>
+            <a:endParaRPr lang="en-US" dirty="0"/>
           </a:p>
         </p:txBody>
       </p:sp>
@@ -2022,7 +2038,7 @@
               <a:pPr/>
               <a:t>‹#›</a:t>
             </a:fld>
-            <a:endParaRPr lang="en-US"/>
+            <a:endParaRPr lang="en-US" dirty="0"/>
           </a:p>
         </p:txBody>
       </p:sp>
@@ -2054,13 +2070,13 @@
   <p:clrMapOvr>
     <a:masterClrMapping/>
   </p:clrMapOvr>
-  <mc:AlternateContent xmlns:mc="http://schemas.openxmlformats.org/markup-compatibility/2006">
-    <mc:Choice xmlns:p14="http://schemas.microsoft.com/office/powerpoint/2010/main" Requires="p14">
+  <mc:AlternateContent xmlns:mc="http://schemas.openxmlformats.org/markup-compatibility/2006" xmlns:p14="http://schemas.microsoft.com/office/powerpoint/2010/main">
+    <mc:Choice Requires="p14">
       <p:transition spd="med">
         <p14:reveal/>
       </p:transition>
     </mc:Choice>
-    <mc:Fallback>
+    <mc:Fallback xmlns="">
       <p:transition spd="med">
         <p:fade/>
       </p:transition>
@@ -2479,9 +2495,9 @@
             <a:fld id="{1D8BD707-D9CF-40AE-B4C6-C98DA3205C09}" type="datetimeFigureOut">
               <a:rPr lang="en-US" smtClean="0"/>
               <a:pPr/>
-              <a:t>5/7/2019</a:t>
+              <a:t>5/8/2019</a:t>
             </a:fld>
-            <a:endParaRPr lang="en-US"/>
+            <a:endParaRPr lang="en-US" dirty="0"/>
           </a:p>
         </p:txBody>
       </p:sp>
@@ -2500,7 +2516,7 @@
           <a:bodyPr/>
           <a:lstStyle/>
           <a:p>
-            <a:endParaRPr lang="en-US"/>
+            <a:endParaRPr lang="en-US" dirty="0"/>
           </a:p>
         </p:txBody>
       </p:sp>
@@ -2524,7 +2540,7 @@
               <a:pPr/>
               <a:t>‹#›</a:t>
             </a:fld>
-            <a:endParaRPr lang="en-US"/>
+            <a:endParaRPr lang="en-US" dirty="0"/>
           </a:p>
         </p:txBody>
       </p:sp>
@@ -2533,13 +2549,13 @@
   <p:clrMapOvr>
     <a:masterClrMapping/>
   </p:clrMapOvr>
-  <mc:AlternateContent xmlns:mc="http://schemas.openxmlformats.org/markup-compatibility/2006">
-    <mc:Choice xmlns:p14="http://schemas.microsoft.com/office/powerpoint/2010/main" Requires="p14">
+  <mc:AlternateContent xmlns:mc="http://schemas.openxmlformats.org/markup-compatibility/2006" xmlns:p14="http://schemas.microsoft.com/office/powerpoint/2010/main">
+    <mc:Choice Requires="p14">
       <p:transition spd="med">
         <p14:reveal/>
       </p:transition>
     </mc:Choice>
-    <mc:Fallback>
+    <mc:Fallback xmlns="">
       <p:transition spd="med">
         <p:fade/>
       </p:transition>
@@ -2606,9 +2622,9 @@
             <a:fld id="{1D8BD707-D9CF-40AE-B4C6-C98DA3205C09}" type="datetimeFigureOut">
               <a:rPr lang="en-US" smtClean="0"/>
               <a:pPr/>
-              <a:t>5/7/2019</a:t>
+              <a:t>5/8/2019</a:t>
             </a:fld>
-            <a:endParaRPr lang="en-US"/>
+            <a:endParaRPr lang="en-US" dirty="0"/>
           </a:p>
         </p:txBody>
       </p:sp>
@@ -2627,7 +2643,7 @@
           <a:bodyPr/>
           <a:lstStyle/>
           <a:p>
-            <a:endParaRPr lang="en-US"/>
+            <a:endParaRPr lang="en-US" dirty="0"/>
           </a:p>
         </p:txBody>
       </p:sp>
@@ -2651,7 +2667,7 @@
               <a:pPr/>
               <a:t>‹#›</a:t>
             </a:fld>
-            <a:endParaRPr lang="en-US"/>
+            <a:endParaRPr lang="en-US" dirty="0"/>
           </a:p>
         </p:txBody>
       </p:sp>
@@ -2660,13 +2676,13 @@
   <p:clrMapOvr>
     <a:masterClrMapping/>
   </p:clrMapOvr>
-  <mc:AlternateContent xmlns:mc="http://schemas.openxmlformats.org/markup-compatibility/2006">
-    <mc:Choice xmlns:p14="http://schemas.microsoft.com/office/powerpoint/2010/main" Requires="p14">
+  <mc:AlternateContent xmlns:mc="http://schemas.openxmlformats.org/markup-compatibility/2006" xmlns:p14="http://schemas.microsoft.com/office/powerpoint/2010/main">
+    <mc:Choice Requires="p14">
       <p:transition spd="med">
         <p14:reveal/>
       </p:transition>
     </mc:Choice>
-    <mc:Fallback>
+    <mc:Fallback xmlns="">
       <p:transition spd="med">
         <p:fade/>
       </p:transition>
@@ -2710,9 +2726,9 @@
             <a:fld id="{1D8BD707-D9CF-40AE-B4C6-C98DA3205C09}" type="datetimeFigureOut">
               <a:rPr lang="en-US" smtClean="0"/>
               <a:pPr/>
-              <a:t>5/7/2019</a:t>
+              <a:t>5/8/2019</a:t>
             </a:fld>
-            <a:endParaRPr lang="en-US"/>
+            <a:endParaRPr lang="en-US" dirty="0"/>
           </a:p>
         </p:txBody>
       </p:sp>
@@ -2731,7 +2747,7 @@
           <a:bodyPr/>
           <a:lstStyle/>
           <a:p>
-            <a:endParaRPr lang="en-US"/>
+            <a:endParaRPr lang="en-US" dirty="0"/>
           </a:p>
         </p:txBody>
       </p:sp>
@@ -2755,7 +2771,7 @@
               <a:pPr/>
               <a:t>‹#›</a:t>
             </a:fld>
-            <a:endParaRPr lang="en-US"/>
+            <a:endParaRPr lang="en-US" dirty="0"/>
           </a:p>
         </p:txBody>
       </p:sp>
@@ -2764,13 +2780,13 @@
   <p:clrMapOvr>
     <a:masterClrMapping/>
   </p:clrMapOvr>
-  <mc:AlternateContent xmlns:mc="http://schemas.openxmlformats.org/markup-compatibility/2006">
-    <mc:Choice xmlns:p14="http://schemas.microsoft.com/office/powerpoint/2010/main" Requires="p14">
+  <mc:AlternateContent xmlns:mc="http://schemas.openxmlformats.org/markup-compatibility/2006" xmlns:p14="http://schemas.microsoft.com/office/powerpoint/2010/main">
+    <mc:Choice Requires="p14">
       <p:transition spd="med">
         <p14:reveal/>
       </p:transition>
     </mc:Choice>
-    <mc:Fallback>
+    <mc:Fallback xmlns="">
       <p:transition spd="med">
         <p:fade/>
       </p:transition>
@@ -2838,7 +2854,7 @@
           <a:lstStyle/>
           <a:p>
             <a:pPr algn="ctr"/>
-            <a:endParaRPr lang="en-US"/>
+            <a:endParaRPr lang="en-US" dirty="0"/>
           </a:p>
         </p:txBody>
       </p:sp>
@@ -2886,7 +2902,7 @@
           <a:lstStyle/>
           <a:p>
             <a:pPr marL="0" algn="ctr" defTabSz="914400" rtl="0" eaLnBrk="1" latinLnBrk="0" hangingPunct="1"/>
-            <a:endParaRPr lang="en-US" sz="1800" kern="1200">
+            <a:endParaRPr lang="en-US" sz="1800" kern="1200" dirty="0">
               <a:solidFill>
                 <a:schemeClr val="lt1"/>
               </a:solidFill>
@@ -3154,9 +3170,9 @@
             <a:fld id="{1D8BD707-D9CF-40AE-B4C6-C98DA3205C09}" type="datetimeFigureOut">
               <a:rPr lang="en-US" smtClean="0"/>
               <a:pPr/>
-              <a:t>5/7/2019</a:t>
+              <a:t>5/8/2019</a:t>
             </a:fld>
-            <a:endParaRPr lang="en-US"/>
+            <a:endParaRPr lang="en-US" dirty="0"/>
           </a:p>
         </p:txBody>
       </p:sp>
@@ -3183,7 +3199,7 @@
             </a:lvl1pPr>
           </a:lstStyle>
           <a:p>
-            <a:endParaRPr lang="en-US"/>
+            <a:endParaRPr lang="en-US" dirty="0"/>
           </a:p>
         </p:txBody>
       </p:sp>
@@ -3221,7 +3237,7 @@
               <a:pPr/>
               <a:t>‹#›</a:t>
             </a:fld>
-            <a:endParaRPr lang="en-US"/>
+            <a:endParaRPr lang="en-US" dirty="0"/>
           </a:p>
         </p:txBody>
       </p:sp>
@@ -3230,13 +3246,13 @@
   <p:clrMapOvr>
     <a:masterClrMapping/>
   </p:clrMapOvr>
-  <mc:AlternateContent xmlns:mc="http://schemas.openxmlformats.org/markup-compatibility/2006">
-    <mc:Choice xmlns:p14="http://schemas.microsoft.com/office/powerpoint/2010/main" Requires="p14">
+  <mc:AlternateContent xmlns:mc="http://schemas.openxmlformats.org/markup-compatibility/2006" xmlns:p14="http://schemas.microsoft.com/office/powerpoint/2010/main">
+    <mc:Choice Requires="p14">
       <p:transition spd="med">
         <p14:reveal/>
       </p:transition>
     </mc:Choice>
-    <mc:Fallback>
+    <mc:Fallback xmlns="">
       <p:transition spd="med">
         <p:fade/>
       </p:transition>
@@ -3420,7 +3436,7 @@
           </a:lstStyle>
           <a:p>
             <a:r>
-              <a:rPr lang="en-US" smtClean="0"/>
+              <a:rPr lang="en-US" dirty="0" smtClean="0"/>
               <a:t>Click icon to add picture</a:t>
             </a:r>
             <a:endParaRPr lang="en-US" dirty="0"/>
@@ -3469,7 +3485,7 @@
           <a:lstStyle/>
           <a:p>
             <a:pPr algn="ctr"/>
-            <a:endParaRPr lang="en-US"/>
+            <a:endParaRPr lang="en-US" dirty="0"/>
           </a:p>
         </p:txBody>
       </p:sp>
@@ -3576,7 +3592,7 @@
           <a:lstStyle/>
           <a:p>
             <a:pPr algn="ctr"/>
-            <a:endParaRPr lang="en-US"/>
+            <a:endParaRPr lang="en-US" dirty="0"/>
           </a:p>
         </p:txBody>
       </p:sp>
@@ -3701,9 +3717,9 @@
             <a:fld id="{1D8BD707-D9CF-40AE-B4C6-C98DA3205C09}" type="datetimeFigureOut">
               <a:rPr lang="en-US" smtClean="0"/>
               <a:pPr/>
-              <a:t>5/7/2019</a:t>
+              <a:t>5/8/2019</a:t>
             </a:fld>
-            <a:endParaRPr lang="en-US"/>
+            <a:endParaRPr lang="en-US" dirty="0"/>
           </a:p>
         </p:txBody>
       </p:sp>
@@ -3722,7 +3738,7 @@
           <a:bodyPr/>
           <a:lstStyle/>
           <a:p>
-            <a:endParaRPr lang="en-US"/>
+            <a:endParaRPr lang="en-US" dirty="0"/>
           </a:p>
         </p:txBody>
       </p:sp>
@@ -3746,7 +3762,7 @@
               <a:pPr/>
               <a:t>‹#›</a:t>
             </a:fld>
-            <a:endParaRPr lang="en-US"/>
+            <a:endParaRPr lang="en-US" dirty="0"/>
           </a:p>
         </p:txBody>
       </p:sp>
@@ -3755,13 +3771,13 @@
   <p:clrMapOvr>
     <a:masterClrMapping/>
   </p:clrMapOvr>
-  <mc:AlternateContent xmlns:mc="http://schemas.openxmlformats.org/markup-compatibility/2006">
-    <mc:Choice xmlns:p14="http://schemas.microsoft.com/office/powerpoint/2010/main" Requires="p14">
+  <mc:AlternateContent xmlns:mc="http://schemas.openxmlformats.org/markup-compatibility/2006" xmlns:p14="http://schemas.microsoft.com/office/powerpoint/2010/main">
+    <mc:Choice Requires="p14">
       <p:transition spd="med">
         <p14:reveal/>
       </p:transition>
     </mc:Choice>
-    <mc:Fallback>
+    <mc:Fallback xmlns="">
       <p:transition spd="med">
         <p:fade/>
       </p:transition>
@@ -4103,7 +4119,7 @@
           <a:lstStyle/>
           <a:p>
             <a:pPr algn="ctr"/>
-            <a:endParaRPr lang="en-US"/>
+            <a:endParaRPr lang="en-US" dirty="0"/>
           </a:p>
         </p:txBody>
       </p:sp>
@@ -4422,7 +4438,7 @@
           <a:lstStyle/>
           <a:p>
             <a:pPr algn="ctr"/>
-            <a:endParaRPr lang="en-US"/>
+            <a:endParaRPr lang="en-US" dirty="0"/>
           </a:p>
         </p:txBody>
       </p:sp>
@@ -4555,9 +4571,9 @@
             <a:fld id="{1D8BD707-D9CF-40AE-B4C6-C98DA3205C09}" type="datetimeFigureOut">
               <a:rPr lang="en-US" smtClean="0"/>
               <a:pPr/>
-              <a:t>5/7/2019</a:t>
+              <a:t>5/8/2019</a:t>
             </a:fld>
-            <a:endParaRPr lang="en-US"/>
+            <a:endParaRPr lang="en-US" dirty="0"/>
           </a:p>
         </p:txBody>
       </p:sp>
@@ -4592,7 +4608,7 @@
             </a:lvl1pPr>
           </a:lstStyle>
           <a:p>
-            <a:endParaRPr lang="en-US"/>
+            <a:endParaRPr lang="en-US" dirty="0"/>
           </a:p>
         </p:txBody>
       </p:sp>
@@ -4639,7 +4655,7 @@
               <a:pPr/>
               <a:t>‹#›</a:t>
             </a:fld>
-            <a:endParaRPr lang="en-US"/>
+            <a:endParaRPr lang="en-US" dirty="0"/>
           </a:p>
         </p:txBody>
       </p:sp>
@@ -4659,13 +4675,13 @@
     <p:sldLayoutId id="2147483682" r:id="rId10"/>
     <p:sldLayoutId id="2147483683" r:id="rId11"/>
   </p:sldLayoutIdLst>
-  <mc:AlternateContent xmlns:mc="http://schemas.openxmlformats.org/markup-compatibility/2006">
-    <mc:Choice xmlns:p14="http://schemas.microsoft.com/office/powerpoint/2010/main" Requires="p14">
+  <mc:AlternateContent xmlns:mc="http://schemas.openxmlformats.org/markup-compatibility/2006" xmlns:p14="http://schemas.microsoft.com/office/powerpoint/2010/main">
+    <mc:Choice Requires="p14">
       <p:transition spd="med">
         <p14:reveal/>
       </p:transition>
     </mc:Choice>
-    <mc:Fallback>
+    <mc:Fallback xmlns="">
       <p:transition spd="med">
         <p:fade/>
       </p:transition>
@@ -5039,13 +5055,13 @@
   <p:clrMapOvr>
     <a:masterClrMapping/>
   </p:clrMapOvr>
-  <mc:AlternateContent xmlns:mc="http://schemas.openxmlformats.org/markup-compatibility/2006">
-    <mc:Choice xmlns:p14="http://schemas.microsoft.com/office/powerpoint/2010/main" Requires="p14">
+  <mc:AlternateContent xmlns:mc="http://schemas.openxmlformats.org/markup-compatibility/2006" xmlns:p14="http://schemas.microsoft.com/office/powerpoint/2010/main">
+    <mc:Choice Requires="p14">
       <p:transition spd="med">
         <p14:reveal/>
       </p:transition>
     </mc:Choice>
-    <mc:Fallback>
+    <mc:Fallback xmlns="">
       <p:transition spd="med">
         <p:fade/>
       </p:transition>
@@ -5164,13 +5180,13 @@
   <p:clrMapOvr>
     <a:masterClrMapping/>
   </p:clrMapOvr>
-  <mc:AlternateContent xmlns:mc="http://schemas.openxmlformats.org/markup-compatibility/2006">
-    <mc:Choice xmlns:p14="http://schemas.microsoft.com/office/powerpoint/2010/main" Requires="p14">
+  <mc:AlternateContent xmlns:mc="http://schemas.openxmlformats.org/markup-compatibility/2006" xmlns:p14="http://schemas.microsoft.com/office/powerpoint/2010/main">
+    <mc:Choice Requires="p14">
       <p:transition spd="med">
         <p14:reveal/>
       </p:transition>
     </mc:Choice>
-    <mc:Fallback>
+    <mc:Fallback xmlns="">
       <p:transition spd="med">
         <p:fade/>
       </p:transition>
@@ -5261,7 +5277,19 @@
               <a:rPr lang="pl-PL" sz="1800" dirty="0" smtClean="0">
                 <a:latin typeface="Comic Sans MS" pitchFamily="66" charset="0"/>
               </a:rPr>
-              <a:t>...W grze można znaleźć różne tekstury zrobione tak, aby rozśmieszyć gracza, wszystkie dźwięki dobrane w ten sposób, aby pasowały i jednocześnie poprawiały chumor śmiesznym brzmieniem.</a:t>
+              <a:t>...W grze można znaleźć różne tekstury zrobione tak, aby rozśmieszyć gracza, wszystkie dźwięki dobrane w ten sposób, aby pasowały i jednocześnie poprawiały </a:t>
+            </a:r>
+            <a:r>
+              <a:rPr lang="pl-PL" sz="1800" dirty="0" smtClean="0">
+                <a:latin typeface="Comic Sans MS" pitchFamily="66" charset="0"/>
+              </a:rPr>
+              <a:t>humor </a:t>
+            </a:r>
+            <a:r>
+              <a:rPr lang="pl-PL" sz="1800" dirty="0" smtClean="0">
+                <a:latin typeface="Comic Sans MS" pitchFamily="66" charset="0"/>
+              </a:rPr>
+              <a:t>śmiesznym brzmieniem.</a:t>
             </a:r>
           </a:p>
           <a:p>
@@ -5286,7 +5314,19 @@
               <a:rPr lang="pl-PL" sz="1800" dirty="0" smtClean="0">
                 <a:latin typeface="Comic Sans MS" pitchFamily="66" charset="0"/>
               </a:rPr>
-              <a:t>Kopernika i jego wszelkich osiągnięć, życia prywatnego czy pobytu w różnych miastach, które uczą, informują i pokazują tą edukacyjną stronę aplikacji.</a:t>
+              <a:t>Kopernika i jego wszelkich osiągnięć, życia prywatnego czy pobytu w różnych miastach, które uczą, informują i pokazują </a:t>
+            </a:r>
+            <a:r>
+              <a:rPr lang="pl-PL" sz="1800" dirty="0" smtClean="0">
+                <a:latin typeface="Comic Sans MS" pitchFamily="66" charset="0"/>
+              </a:rPr>
+              <a:t>tę </a:t>
+            </a:r>
+            <a:r>
+              <a:rPr lang="pl-PL" sz="1800" dirty="0" smtClean="0">
+                <a:latin typeface="Comic Sans MS" pitchFamily="66" charset="0"/>
+              </a:rPr>
+              <a:t>edukacyjną stronę aplikacji.</a:t>
             </a:r>
           </a:p>
           <a:p>
@@ -5299,7 +5339,31 @@
               <a:rPr lang="pl-PL" sz="1800" dirty="0" smtClean="0">
                 <a:latin typeface="Comic Sans MS" pitchFamily="66" charset="0"/>
               </a:rPr>
-              <a:t>Sama gra ma dawać rozrywkę, ale też miło uczyć i dać do zrozumienia jak wiele zawdzięczamy Mikołajowi i jego osiągnięciom.</a:t>
+              <a:t>Sama gra ma dawać rozrywkę, ale też miło uczyć i dać do </a:t>
+            </a:r>
+            <a:r>
+              <a:rPr lang="pl-PL" sz="1800" dirty="0" smtClean="0">
+                <a:latin typeface="Comic Sans MS" pitchFamily="66" charset="0"/>
+              </a:rPr>
+              <a:t>zrozumienia, </a:t>
+            </a:r>
+            <a:r>
+              <a:rPr lang="pl-PL" sz="1800" dirty="0" smtClean="0">
+                <a:latin typeface="Comic Sans MS" pitchFamily="66" charset="0"/>
+              </a:rPr>
+              <a:t>jak wiele zawdzięczamy Mikołajowi </a:t>
+            </a:r>
+            <a:r>
+              <a:rPr lang="pl-PL" sz="1800" dirty="0" smtClean="0">
+                <a:latin typeface="Comic Sans MS" pitchFamily="66" charset="0"/>
+              </a:rPr>
+              <a:t>Kopernikowi       i jego </a:t>
+            </a:r>
+            <a:r>
+              <a:rPr lang="pl-PL" sz="1800" dirty="0" smtClean="0">
+                <a:latin typeface="Comic Sans MS" pitchFamily="66" charset="0"/>
+              </a:rPr>
+              <a:t>osiągnięciom.</a:t>
             </a:r>
           </a:p>
         </p:txBody>
@@ -5314,13 +5378,13 @@
   <p:clrMapOvr>
     <a:masterClrMapping/>
   </p:clrMapOvr>
-  <mc:AlternateContent xmlns:mc="http://schemas.openxmlformats.org/markup-compatibility/2006">
-    <mc:Choice xmlns:p14="http://schemas.microsoft.com/office/powerpoint/2010/main" Requires="p14">
+  <mc:AlternateContent xmlns:mc="http://schemas.openxmlformats.org/markup-compatibility/2006" xmlns:p14="http://schemas.microsoft.com/office/powerpoint/2010/main">
+    <mc:Choice Requires="p14">
       <p:transition spd="med">
         <p14:reveal/>
       </p:transition>
     </mc:Choice>
-    <mc:Fallback>
+    <mc:Fallback xmlns="">
       <p:transition spd="med">
         <p:fade/>
       </p:transition>
@@ -5456,13 +5520,13 @@
   <p:clrMapOvr>
     <a:masterClrMapping/>
   </p:clrMapOvr>
-  <mc:AlternateContent xmlns:mc="http://schemas.openxmlformats.org/markup-compatibility/2006">
-    <mc:Choice xmlns:p14="http://schemas.microsoft.com/office/powerpoint/2010/main" Requires="p14">
+  <mc:AlternateContent xmlns:mc="http://schemas.openxmlformats.org/markup-compatibility/2006" xmlns:p14="http://schemas.microsoft.com/office/powerpoint/2010/main">
+    <mc:Choice Requires="p14">
       <p:transition spd="med">
         <p14:reveal/>
       </p:transition>
     </mc:Choice>
-    <mc:Fallback>
+    <mc:Fallback xmlns="">
       <p:transition spd="med">
         <p:fade/>
       </p:transition>
@@ -5548,15 +5612,39 @@
               <a:rPr lang="pl-PL" dirty="0" smtClean="0">
                 <a:latin typeface="Comic Sans MS" pitchFamily="66" charset="0"/>
               </a:rPr>
-              <a:t>To była świetna zabawa, wiele się nauczyłem, a sama aplikacja ląduje w moim programistycznym portfolio :D</a:t>
-            </a:r>
-          </a:p>
-          <a:p>
+              <a:t>To była świetna zabawa, wiele się nauczyłem, a sama aplikacja ląduje </a:t>
+            </a:r>
             <a:r>
               <a:rPr lang="pl-PL" dirty="0" smtClean="0">
                 <a:latin typeface="Comic Sans MS" pitchFamily="66" charset="0"/>
               </a:rPr>
-              <a:t>Jeszcze raz dziękuję za sam udział, za uwagę i czas, mam nadzieję, że gra się spodoba i otrzyma dobre noty :)</a:t>
+              <a:t>  w </a:t>
+            </a:r>
+            <a:r>
+              <a:rPr lang="pl-PL" dirty="0" smtClean="0">
+                <a:latin typeface="Comic Sans MS" pitchFamily="66" charset="0"/>
+              </a:rPr>
+              <a:t>moim programistycznym portfolio :D</a:t>
+            </a:r>
+          </a:p>
+          <a:p>
+            <a:r>
+              <a:rPr lang="pl-PL" dirty="0" smtClean="0">
+                <a:latin typeface="Comic Sans MS" pitchFamily="66" charset="0"/>
+              </a:rPr>
+              <a:t>Jeszcze raz dziękuję za sam udział, za uwagę i czas, mam nadzieję, </a:t>
+            </a:r>
+            <a:r>
+              <a:rPr lang="pl-PL" dirty="0" smtClean="0">
+                <a:latin typeface="Comic Sans MS" pitchFamily="66" charset="0"/>
+              </a:rPr>
+              <a:t>  że </a:t>
+            </a:r>
+            <a:r>
+              <a:rPr lang="pl-PL" dirty="0" smtClean="0">
+                <a:latin typeface="Comic Sans MS" pitchFamily="66" charset="0"/>
+              </a:rPr>
+              <a:t>gra się spodoba i otrzyma dobre noty :)</a:t>
             </a:r>
           </a:p>
           <a:p>
@@ -5613,13 +5701,13 @@
   <p:clrMapOvr>
     <a:masterClrMapping/>
   </p:clrMapOvr>
-  <mc:AlternateContent xmlns:mc="http://schemas.openxmlformats.org/markup-compatibility/2006">
-    <mc:Choice xmlns:p14="http://schemas.microsoft.com/office/powerpoint/2010/main" Requires="p14">
+  <mc:AlternateContent xmlns:mc="http://schemas.openxmlformats.org/markup-compatibility/2006" xmlns:p14="http://schemas.microsoft.com/office/powerpoint/2010/main">
+    <mc:Choice Requires="p14">
       <p:transition spd="med">
         <p14:reveal/>
       </p:transition>
     </mc:Choice>
-    <mc:Fallback>
+    <mc:Fallback xmlns="">
       <p:transition spd="med">
         <p:fade/>
       </p:transition>
@@ -5819,13 +5907,13 @@
   <p:clrMapOvr>
     <a:masterClrMapping/>
   </p:clrMapOvr>
-  <mc:AlternateContent xmlns:mc="http://schemas.openxmlformats.org/markup-compatibility/2006">
-    <mc:Choice xmlns:p14="http://schemas.microsoft.com/office/powerpoint/2010/main" Requires="p14">
+  <mc:AlternateContent xmlns:mc="http://schemas.openxmlformats.org/markup-compatibility/2006" xmlns:p14="http://schemas.microsoft.com/office/powerpoint/2010/main">
+    <mc:Choice Requires="p14">
       <p:transition spd="med">
         <p14:reveal/>
       </p:transition>
     </mc:Choice>
-    <mc:Fallback>
+    <mc:Fallback xmlns="">
       <p:transition spd="med">
         <p:fade/>
       </p:transition>
@@ -5977,13 +6065,13 @@
   <p:clrMapOvr>
     <a:masterClrMapping/>
   </p:clrMapOvr>
-  <mc:AlternateContent xmlns:mc="http://schemas.openxmlformats.org/markup-compatibility/2006">
-    <mc:Choice xmlns:p14="http://schemas.microsoft.com/office/powerpoint/2010/main" Requires="p14">
+  <mc:AlternateContent xmlns:mc="http://schemas.openxmlformats.org/markup-compatibility/2006" xmlns:p14="http://schemas.microsoft.com/office/powerpoint/2010/main">
+    <mc:Choice Requires="p14">
       <p:transition spd="med">
         <p14:reveal/>
       </p:transition>
     </mc:Choice>
-    <mc:Fallback>
+    <mc:Fallback xmlns="">
       <p:transition spd="med">
         <p:fade/>
       </p:transition>
@@ -6176,13 +6264,13 @@
   <p:clrMapOvr>
     <a:masterClrMapping/>
   </p:clrMapOvr>
-  <mc:AlternateContent xmlns:mc="http://schemas.openxmlformats.org/markup-compatibility/2006">
-    <mc:Choice xmlns:p14="http://schemas.microsoft.com/office/powerpoint/2010/main" Requires="p14">
+  <mc:AlternateContent xmlns:mc="http://schemas.openxmlformats.org/markup-compatibility/2006" xmlns:p14="http://schemas.microsoft.com/office/powerpoint/2010/main">
+    <mc:Choice Requires="p14">
       <p:transition spd="med">
         <p14:reveal/>
       </p:transition>
     </mc:Choice>
-    <mc:Fallback>
+    <mc:Fallback xmlns="">
       <p:transition spd="med">
         <p:fade/>
       </p:transition>
@@ -6375,13 +6463,13 @@
   <p:clrMapOvr>
     <a:masterClrMapping/>
   </p:clrMapOvr>
-  <mc:AlternateContent xmlns:mc="http://schemas.openxmlformats.org/markup-compatibility/2006">
-    <mc:Choice xmlns:p14="http://schemas.microsoft.com/office/powerpoint/2010/main" Requires="p14">
+  <mc:AlternateContent xmlns:mc="http://schemas.openxmlformats.org/markup-compatibility/2006" xmlns:p14="http://schemas.microsoft.com/office/powerpoint/2010/main">
+    <mc:Choice Requires="p14">
       <p:transition spd="med">
         <p14:reveal/>
       </p:transition>
     </mc:Choice>
-    <mc:Fallback>
+    <mc:Fallback xmlns="">
       <p:transition spd="med">
         <p:fade/>
       </p:transition>
@@ -6557,13 +6645,13 @@
   <p:clrMapOvr>
     <a:masterClrMapping/>
   </p:clrMapOvr>
-  <mc:AlternateContent xmlns:mc="http://schemas.openxmlformats.org/markup-compatibility/2006">
-    <mc:Choice xmlns:p14="http://schemas.microsoft.com/office/powerpoint/2010/main" Requires="p14">
+  <mc:AlternateContent xmlns:mc="http://schemas.openxmlformats.org/markup-compatibility/2006" xmlns:p14="http://schemas.microsoft.com/office/powerpoint/2010/main">
+    <mc:Choice Requires="p14">
       <p:transition spd="med">
         <p14:reveal/>
       </p:transition>
     </mc:Choice>
-    <mc:Fallback>
+    <mc:Fallback xmlns="">
       <p:transition spd="med">
         <p:fade/>
       </p:transition>
@@ -6715,13 +6803,13 @@
   <p:clrMapOvr>
     <a:masterClrMapping/>
   </p:clrMapOvr>
-  <mc:AlternateContent xmlns:mc="http://schemas.openxmlformats.org/markup-compatibility/2006">
-    <mc:Choice xmlns:p14="http://schemas.microsoft.com/office/powerpoint/2010/main" Requires="p14">
+  <mc:AlternateContent xmlns:mc="http://schemas.openxmlformats.org/markup-compatibility/2006" xmlns:p14="http://schemas.microsoft.com/office/powerpoint/2010/main">
+    <mc:Choice Requires="p14">
       <p:transition spd="med">
         <p14:reveal/>
       </p:transition>
     </mc:Choice>
-    <mc:Fallback>
+    <mc:Fallback xmlns="">
       <p:transition spd="med">
         <p:fade/>
       </p:transition>
@@ -6861,7 +6949,7 @@
         <p:spPr>
           <a:xfrm>
             <a:off x="4114800" y="3581400"/>
-            <a:ext cx="3200400" cy="923330"/>
+            <a:ext cx="3352800" cy="923330"/>
           </a:xfrm>
           <a:prstGeom prst="rect">
             <a:avLst/>
@@ -6878,7 +6966,19 @@
               <a:rPr lang="pl-PL" b="1" dirty="0" smtClean="0">
                 <a:latin typeface="Comic Sans MS" pitchFamily="66" charset="0"/>
               </a:rPr>
-              <a:t>A muzyka i dźwięki zostały dopasowane i pobrane bez praw autorskich.</a:t>
+              <a:t>A muzyka i dźwięki zostały dopasowane i pobrane bez </a:t>
+            </a:r>
+            <a:r>
+              <a:rPr lang="pl-PL" b="1" dirty="0" smtClean="0">
+                <a:latin typeface="Comic Sans MS" pitchFamily="66" charset="0"/>
+              </a:rPr>
+              <a:t>naruszenia praw </a:t>
+            </a:r>
+            <a:r>
+              <a:rPr lang="pl-PL" b="1" dirty="0" smtClean="0">
+                <a:latin typeface="Comic Sans MS" pitchFamily="66" charset="0"/>
+              </a:rPr>
+              <a:t>autorskich.</a:t>
             </a:r>
             <a:endParaRPr lang="pl-PL" b="1" dirty="0">
               <a:latin typeface="Comic Sans MS" pitchFamily="66" charset="0"/>
@@ -6896,13 +6996,13 @@
   <p:clrMapOvr>
     <a:masterClrMapping/>
   </p:clrMapOvr>
-  <mc:AlternateContent xmlns:mc="http://schemas.openxmlformats.org/markup-compatibility/2006">
-    <mc:Choice xmlns:p14="http://schemas.microsoft.com/office/powerpoint/2010/main" Requires="p14">
+  <mc:AlternateContent xmlns:mc="http://schemas.openxmlformats.org/markup-compatibility/2006" xmlns:p14="http://schemas.microsoft.com/office/powerpoint/2010/main">
+    <mc:Choice Requires="p14">
       <p:transition spd="med">
         <p14:reveal/>
       </p:transition>
     </mc:Choice>
-    <mc:Fallback>
+    <mc:Fallback xmlns="">
       <p:transition spd="med">
         <p:fade/>
       </p:transition>
@@ -7086,13 +7186,13 @@
   <p:clrMapOvr>
     <a:masterClrMapping/>
   </p:clrMapOvr>
-  <mc:AlternateContent xmlns:mc="http://schemas.openxmlformats.org/markup-compatibility/2006">
-    <mc:Choice xmlns:p14="http://schemas.microsoft.com/office/powerpoint/2010/main" Requires="p14">
+  <mc:AlternateContent xmlns:mc="http://schemas.openxmlformats.org/markup-compatibility/2006" xmlns:p14="http://schemas.microsoft.com/office/powerpoint/2010/main">
+    <mc:Choice Requires="p14">
       <p:transition spd="med">
         <p14:reveal/>
       </p:transition>
     </mc:Choice>
-    <mc:Fallback>
+    <mc:Fallback xmlns="">
       <p:transition spd="med">
         <p:fade/>
       </p:transition>
@@ -7193,13 +7293,13 @@
   <p:clrMapOvr>
     <a:masterClrMapping/>
   </p:clrMapOvr>
-  <mc:AlternateContent xmlns:mc="http://schemas.openxmlformats.org/markup-compatibility/2006">
-    <mc:Choice xmlns:p14="http://schemas.microsoft.com/office/powerpoint/2010/main" Requires="p14">
+  <mc:AlternateContent xmlns:mc="http://schemas.openxmlformats.org/markup-compatibility/2006" xmlns:p14="http://schemas.microsoft.com/office/powerpoint/2010/main">
+    <mc:Choice Requires="p14">
       <p:transition spd="med">
         <p14:reveal/>
       </p:transition>
     </mc:Choice>
-    <mc:Fallback>
+    <mc:Fallback xmlns="">
       <p:transition spd="med">
         <p:fade/>
       </p:transition>
